--- a/课程PPT/06.JS逻辑运算符进阶.pptx
+++ b/课程PPT/06.JS逻辑运算符进阶.pptx
@@ -5,23 +5,23 @@
     <p:sldMasterId id="2147483648" r:id="rId1"/>
   </p:sldMasterIdLst>
   <p:notesMasterIdLst>
-    <p:notesMasterId r:id="rId16"/>
+    <p:notesMasterId r:id="rId6"/>
   </p:notesMasterIdLst>
   <p:sldIdLst>
-    <p:sldId id="773" r:id="rId2"/>
-    <p:sldId id="1193" r:id="rId3"/>
-    <p:sldId id="1192" r:id="rId4"/>
-    <p:sldId id="1210" r:id="rId5"/>
-    <p:sldId id="1194" r:id="rId6"/>
-    <p:sldId id="1199" r:id="rId7"/>
-    <p:sldId id="1211" r:id="rId8"/>
-    <p:sldId id="1203" r:id="rId9"/>
-    <p:sldId id="1204" r:id="rId10"/>
-    <p:sldId id="1207" r:id="rId11"/>
-    <p:sldId id="1219" r:id="rId12"/>
-    <p:sldId id="1206" r:id="rId13"/>
-    <p:sldId id="1104" r:id="rId14"/>
-    <p:sldId id="1222" r:id="rId15"/>
+    <p:sldId id="773" r:id="rId3"/>
+    <p:sldId id="1193" r:id="rId4"/>
+    <p:sldId id="1192" r:id="rId5"/>
+    <p:sldId id="1210" r:id="rId7"/>
+    <p:sldId id="1194" r:id="rId8"/>
+    <p:sldId id="1199" r:id="rId9"/>
+    <p:sldId id="1211" r:id="rId10"/>
+    <p:sldId id="1203" r:id="rId11"/>
+    <p:sldId id="1204" r:id="rId12"/>
+    <p:sldId id="1207" r:id="rId13"/>
+    <p:sldId id="1219" r:id="rId14"/>
+    <p:sldId id="1206" r:id="rId15"/>
+    <p:sldId id="1104" r:id="rId16"/>
+    <p:sldId id="1222" r:id="rId17"/>
   </p:sldIdLst>
   <p:sldSz cx="12192000" cy="6858000"/>
   <p:notesSz cx="6797675" cy="9928225"/>
@@ -340,6 +340,7 @@
               <a:rPr lang="zh-CN" altLang="zh-CN" noProof="0" smtClean="0"/>
               <a:t>                                                   </a:t>
             </a:r>
+            <a:endParaRPr lang="zh-CN" altLang="zh-CN" noProof="0" smtClean="0"/>
           </a:p>
           <a:p>
             <a:pPr lvl="1"/>
@@ -347,6 +348,7 @@
               <a:rPr lang="zh-CN" altLang="zh-CN" noProof="0" smtClean="0"/>
               <a:t>               </a:t>
             </a:r>
+            <a:endParaRPr lang="zh-CN" altLang="zh-CN" noProof="0" smtClean="0"/>
           </a:p>
           <a:p>
             <a:pPr lvl="2"/>
@@ -354,6 +356,7 @@
               <a:rPr lang="zh-CN" altLang="zh-CN" noProof="0" smtClean="0"/>
               <a:t>                </a:t>
             </a:r>
+            <a:endParaRPr lang="zh-CN" altLang="zh-CN" noProof="0" smtClean="0"/>
           </a:p>
           <a:p>
             <a:pPr lvl="3"/>
@@ -361,6 +364,7 @@
               <a:rPr lang="zh-CN" altLang="zh-CN" noProof="0" smtClean="0"/>
               <a:t>                </a:t>
             </a:r>
+            <a:endParaRPr lang="zh-CN" altLang="zh-CN" noProof="0" smtClean="0"/>
           </a:p>
           <a:p>
             <a:pPr lvl="4"/>
@@ -368,6 +372,7 @@
               <a:rPr lang="zh-CN" altLang="zh-CN" noProof="0" smtClean="0"/>
               <a:t>                </a:t>
             </a:r>
+            <a:endParaRPr lang="zh-CN" altLang="zh-CN" noProof="0" smtClean="0"/>
           </a:p>
         </p:txBody>
       </p:sp>
@@ -450,18 +455,12 @@
           <a:p>
             <a:fld id="{D9AFD278-84AA-4CAA-9049-809825956FE0}" type="slidenum">
               <a:rPr lang="en-US" altLang="zh-CN"/>
-              <a:t>‹#›</a:t>
             </a:fld>
             <a:endParaRPr lang="zh-CN" altLang="zh-CN"/>
           </a:p>
         </p:txBody>
       </p:sp>
     </p:spTree>
-    <p:extLst>
-      <p:ext uri="{BB962C8B-B14F-4D97-AF65-F5344CB8AC3E}">
-        <p14:creationId xmlns:p14="http://schemas.microsoft.com/office/powerpoint/2010/main" val="2468280600"/>
-      </p:ext>
-    </p:extLst>
   </p:cSld>
   <p:clrMap bg1="lt1" tx1="dk1" bg2="lt2" tx2="dk2" accent1="accent1" accent2="accent2" accent3="accent3" accent4="accent4" accent5="accent5" accent6="accent6" hlink="hlink" folHlink="folHlink"/>
   <p:notesStyle>
@@ -654,7 +653,6 @@
           <a:p>
             <a:fld id="{D9AFD278-84AA-4CAA-9049-809825956FE0}" type="slidenum">
               <a:rPr lang="en-US" altLang="zh-CN" smtClean="0"/>
-              <a:t>3</a:t>
             </a:fld>
             <a:endParaRPr lang="zh-CN" altLang="zh-CN"/>
           </a:p>
@@ -716,6 +714,7 @@
               <a:rPr lang="zh-CN" altLang="en-US" dirty="0"/>
               <a:t>增加动画</a:t>
             </a:r>
+            <a:endParaRPr lang="zh-CN" altLang="en-US" dirty="0"/>
           </a:p>
         </p:txBody>
       </p:sp>
@@ -736,7 +735,6 @@
           <a:p>
             <a:fld id="{D9AFD278-84AA-4CAA-9049-809825956FE0}" type="slidenum">
               <a:rPr lang="en-US" altLang="zh-CN" smtClean="0"/>
-              <a:t>5</a:t>
             </a:fld>
             <a:endParaRPr lang="zh-CN" altLang="zh-CN"/>
           </a:p>
@@ -798,6 +796,7 @@
               <a:rPr lang="zh-CN" altLang="en-US" dirty="0"/>
               <a:t>增加优先级</a:t>
             </a:r>
+            <a:endParaRPr lang="zh-CN" altLang="en-US" dirty="0"/>
           </a:p>
         </p:txBody>
       </p:sp>
@@ -818,7 +817,6 @@
           <a:p>
             <a:fld id="{D9AFD278-84AA-4CAA-9049-809825956FE0}" type="slidenum">
               <a:rPr lang="en-US" altLang="zh-CN" smtClean="0"/>
-              <a:t>6</a:t>
             </a:fld>
             <a:endParaRPr lang="zh-CN" altLang="zh-CN"/>
           </a:p>
@@ -880,6 +878,7 @@
               <a:rPr lang="zh-CN" altLang="en-US" dirty="0"/>
               <a:t>修改，代码不对，良良放在右侧，增大代码展示区域，增加优先级（）</a:t>
             </a:r>
+            <a:endParaRPr lang="zh-CN" altLang="en-US" dirty="0"/>
           </a:p>
         </p:txBody>
       </p:sp>
@@ -900,7 +899,6 @@
           <a:p>
             <a:fld id="{D9AFD278-84AA-4CAA-9049-809825956FE0}" type="slidenum">
               <a:rPr lang="en-US" altLang="zh-CN" smtClean="0"/>
-              <a:t>8</a:t>
             </a:fld>
             <a:endParaRPr lang="zh-CN" altLang="zh-CN"/>
           </a:p>
@@ -978,6 +976,7 @@
               <a:rPr lang="zh-CN" altLang="en-US" dirty="0"/>
               <a:t>）实例，增加逻辑判断</a:t>
             </a:r>
+            <a:endParaRPr lang="zh-CN" altLang="en-US" dirty="0"/>
           </a:p>
         </p:txBody>
       </p:sp>
@@ -998,7 +997,6 @@
           <a:p>
             <a:fld id="{D9AFD278-84AA-4CAA-9049-809825956FE0}" type="slidenum">
               <a:rPr lang="en-US" altLang="zh-CN" smtClean="0"/>
-              <a:t>9</a:t>
             </a:fld>
             <a:endParaRPr lang="zh-CN" altLang="zh-CN"/>
           </a:p>
@@ -1056,26 +1054,7 @@
           <a:bodyPr/>
           <a:lstStyle/>
           <a:p>
-            <a:r>
-              <a:rPr lang="zh-CN" altLang="en-US" dirty="0"/>
-              <a:t>增加 </a:t>
-            </a:r>
-            <a:r>
-              <a:rPr lang="en-US" altLang="zh-CN" dirty="0"/>
-              <a:t>max</a:t>
-            </a:r>
-            <a:r>
-              <a:rPr lang="zh-CN" altLang="en-US" dirty="0"/>
-              <a:t>（</a:t>
-            </a:r>
-            <a:r>
-              <a:rPr lang="en-US" altLang="zh-CN" dirty="0"/>
-              <a:t>1,0,0</a:t>
-            </a:r>
-            <a:r>
-              <a:rPr lang="zh-CN" altLang="en-US" dirty="0"/>
-              <a:t>）实例，增加逻辑判断</a:t>
-            </a:r>
+            <a:endParaRPr lang="zh-CN" altLang="en-US" dirty="0"/>
           </a:p>
         </p:txBody>
       </p:sp>
@@ -1096,7 +1075,6 @@
           <a:p>
             <a:fld id="{D9AFD278-84AA-4CAA-9049-809825956FE0}" type="slidenum">
               <a:rPr lang="en-US" altLang="zh-CN" smtClean="0"/>
-              <a:t>10</a:t>
             </a:fld>
             <a:endParaRPr lang="zh-CN" altLang="zh-CN"/>
           </a:p>
@@ -1175,7 +1153,6 @@
           <a:p>
             <a:fld id="{D9AFD278-84AA-4CAA-9049-809825956FE0}" type="slidenum">
               <a:rPr lang="en-US" altLang="zh-CN" smtClean="0"/>
-              <a:t>12</a:t>
             </a:fld>
             <a:endParaRPr lang="zh-CN" altLang="zh-CN"/>
           </a:p>
@@ -1254,7 +1231,6 @@
           <a:p>
             <a:fld id="{D9AFD278-84AA-4CAA-9049-809825956FE0}" type="slidenum">
               <a:rPr lang="en-US" altLang="zh-CN" smtClean="0"/>
-              <a:t>14</a:t>
             </a:fld>
             <a:endParaRPr lang="zh-CN" altLang="zh-CN"/>
           </a:p>
@@ -1338,6 +1314,7 @@
               <a:rPr lang="zh-CN" altLang="en-US" dirty="0" smtClean="0"/>
               <a:t>单击此处编辑母版文本样式</a:t>
             </a:r>
+            <a:endParaRPr lang="zh-CN" altLang="en-US" dirty="0" smtClean="0"/>
           </a:p>
           <a:p>
             <a:pPr lvl="1"/>
@@ -1345,6 +1322,7 @@
               <a:rPr lang="zh-CN" altLang="en-US" dirty="0" smtClean="0"/>
               <a:t>第二级</a:t>
             </a:r>
+            <a:endParaRPr lang="zh-CN" altLang="en-US" dirty="0" smtClean="0"/>
           </a:p>
           <a:p>
             <a:pPr lvl="2"/>
@@ -1352,6 +1330,7 @@
               <a:rPr lang="zh-CN" altLang="en-US" dirty="0" smtClean="0"/>
               <a:t>第三级</a:t>
             </a:r>
+            <a:endParaRPr lang="zh-CN" altLang="en-US" dirty="0" smtClean="0"/>
           </a:p>
           <a:p>
             <a:pPr lvl="3"/>
@@ -1359,6 +1338,7 @@
               <a:rPr lang="zh-CN" altLang="en-US" dirty="0" smtClean="0"/>
               <a:t>第四级</a:t>
             </a:r>
+            <a:endParaRPr lang="zh-CN" altLang="en-US" dirty="0" smtClean="0"/>
           </a:p>
         </p:txBody>
       </p:sp>
@@ -1420,6 +1400,7 @@
               <a:rPr lang="zh-CN" altLang="en-US" dirty="0" smtClean="0"/>
               <a:t>单击此处编辑母版文本样式</a:t>
             </a:r>
+            <a:endParaRPr lang="zh-CN" altLang="en-US" dirty="0" smtClean="0"/>
           </a:p>
         </p:txBody>
       </p:sp>
@@ -1476,7 +1457,6 @@
           <a:p>
             <a:fld id="{2030C94F-1E7C-47E3-9C60-176A530B03BF}" type="slidenum">
               <a:rPr lang="en-US" altLang="zh-CN"/>
-              <a:t>‹#›</a:t>
             </a:fld>
             <a:endParaRPr lang="zh-CN" altLang="zh-CN" sz="3200" b="0"/>
           </a:p>
@@ -1567,6 +1547,7 @@
               <a:rPr lang="zh-CN" altLang="en-US" dirty="0" smtClean="0"/>
               <a:t>单击此处编辑母版文本样式</a:t>
             </a:r>
+            <a:endParaRPr lang="zh-CN" altLang="en-US" dirty="0" smtClean="0"/>
           </a:p>
           <a:p>
             <a:pPr lvl="1"/>
@@ -1574,6 +1555,7 @@
               <a:rPr lang="zh-CN" altLang="en-US" dirty="0" smtClean="0"/>
               <a:t>第二级</a:t>
             </a:r>
+            <a:endParaRPr lang="zh-CN" altLang="en-US" dirty="0" smtClean="0"/>
           </a:p>
           <a:p>
             <a:pPr lvl="2"/>
@@ -1581,6 +1563,7 @@
               <a:rPr lang="zh-CN" altLang="en-US" dirty="0" smtClean="0"/>
               <a:t>第三级</a:t>
             </a:r>
+            <a:endParaRPr lang="zh-CN" altLang="en-US" dirty="0" smtClean="0"/>
           </a:p>
           <a:p>
             <a:pPr lvl="3"/>
@@ -1588,6 +1571,7 @@
               <a:rPr lang="zh-CN" altLang="en-US" dirty="0" smtClean="0"/>
               <a:t>第四级</a:t>
             </a:r>
+            <a:endParaRPr lang="zh-CN" altLang="en-US" dirty="0" smtClean="0"/>
           </a:p>
         </p:txBody>
       </p:sp>
@@ -1645,6 +1629,7 @@
               <a:rPr lang="zh-CN" altLang="en-US" dirty="0" smtClean="0"/>
               <a:t>单击此处编辑母版文本样式</a:t>
             </a:r>
+            <a:endParaRPr lang="zh-CN" altLang="en-US" dirty="0" smtClean="0"/>
           </a:p>
         </p:txBody>
       </p:sp>
@@ -1726,6 +1711,7 @@
               <a:rPr lang="zh-CN" altLang="en-US" dirty="0" smtClean="0"/>
               <a:t>单击此处编辑母版文本样式</a:t>
             </a:r>
+            <a:endParaRPr lang="zh-CN" altLang="en-US" dirty="0" smtClean="0"/>
           </a:p>
           <a:p>
             <a:pPr lvl="1"/>
@@ -1733,6 +1719,7 @@
               <a:rPr lang="zh-CN" altLang="en-US" dirty="0" smtClean="0"/>
               <a:t>第二级</a:t>
             </a:r>
+            <a:endParaRPr lang="zh-CN" altLang="en-US" dirty="0" smtClean="0"/>
           </a:p>
           <a:p>
             <a:pPr lvl="2"/>
@@ -1740,6 +1727,7 @@
               <a:rPr lang="zh-CN" altLang="en-US" dirty="0" smtClean="0"/>
               <a:t>第三级</a:t>
             </a:r>
+            <a:endParaRPr lang="zh-CN" altLang="en-US" dirty="0" smtClean="0"/>
           </a:p>
           <a:p>
             <a:pPr lvl="3"/>
@@ -1747,6 +1735,7 @@
               <a:rPr lang="zh-CN" altLang="en-US" dirty="0" smtClean="0"/>
               <a:t>第四级</a:t>
             </a:r>
+            <a:endParaRPr lang="zh-CN" altLang="en-US" dirty="0" smtClean="0"/>
           </a:p>
         </p:txBody>
       </p:sp>
@@ -1804,6 +1793,7 @@
               <a:rPr lang="zh-CN" altLang="en-US" dirty="0" smtClean="0"/>
               <a:t>单击此处编辑母版文本样式</a:t>
             </a:r>
+            <a:endParaRPr lang="zh-CN" altLang="en-US" dirty="0" smtClean="0"/>
           </a:p>
         </p:txBody>
       </p:sp>
@@ -1885,6 +1875,7 @@
               <a:rPr lang="zh-CN" altLang="en-US" dirty="0" smtClean="0"/>
               <a:t>单击此处编辑母版文本样式</a:t>
             </a:r>
+            <a:endParaRPr lang="zh-CN" altLang="en-US" dirty="0" smtClean="0"/>
           </a:p>
           <a:p>
             <a:pPr lvl="1"/>
@@ -1892,6 +1883,7 @@
               <a:rPr lang="zh-CN" altLang="en-US" dirty="0" smtClean="0"/>
               <a:t>第二级</a:t>
             </a:r>
+            <a:endParaRPr lang="zh-CN" altLang="en-US" dirty="0" smtClean="0"/>
           </a:p>
           <a:p>
             <a:pPr lvl="2"/>
@@ -1899,6 +1891,7 @@
               <a:rPr lang="zh-CN" altLang="en-US" dirty="0" smtClean="0"/>
               <a:t>第三级</a:t>
             </a:r>
+            <a:endParaRPr lang="zh-CN" altLang="en-US" dirty="0" smtClean="0"/>
           </a:p>
           <a:p>
             <a:pPr lvl="3"/>
@@ -1906,6 +1899,7 @@
               <a:rPr lang="zh-CN" altLang="en-US" dirty="0" smtClean="0"/>
               <a:t>第四级</a:t>
             </a:r>
+            <a:endParaRPr lang="zh-CN" altLang="en-US" dirty="0" smtClean="0"/>
           </a:p>
         </p:txBody>
       </p:sp>
@@ -1963,6 +1957,7 @@
               <a:rPr lang="zh-CN" altLang="en-US" dirty="0" smtClean="0"/>
               <a:t>单击此处编辑母版文本样式</a:t>
             </a:r>
+            <a:endParaRPr lang="zh-CN" altLang="en-US" dirty="0" smtClean="0"/>
           </a:p>
         </p:txBody>
       </p:sp>
@@ -2044,6 +2039,7 @@
               <a:rPr lang="zh-CN" altLang="en-US" dirty="0" smtClean="0"/>
               <a:t>单击此处编辑母版文本样式</a:t>
             </a:r>
+            <a:endParaRPr lang="zh-CN" altLang="en-US" dirty="0" smtClean="0"/>
           </a:p>
           <a:p>
             <a:pPr lvl="1"/>
@@ -2051,6 +2047,7 @@
               <a:rPr lang="zh-CN" altLang="en-US" dirty="0" smtClean="0"/>
               <a:t>第二级</a:t>
             </a:r>
+            <a:endParaRPr lang="zh-CN" altLang="en-US" dirty="0" smtClean="0"/>
           </a:p>
           <a:p>
             <a:pPr lvl="2"/>
@@ -2058,6 +2055,7 @@
               <a:rPr lang="zh-CN" altLang="en-US" dirty="0" smtClean="0"/>
               <a:t>第三级</a:t>
             </a:r>
+            <a:endParaRPr lang="zh-CN" altLang="en-US" dirty="0" smtClean="0"/>
           </a:p>
           <a:p>
             <a:pPr lvl="3"/>
@@ -2065,6 +2063,7 @@
               <a:rPr lang="zh-CN" altLang="en-US" dirty="0" smtClean="0"/>
               <a:t>第四级</a:t>
             </a:r>
+            <a:endParaRPr lang="zh-CN" altLang="en-US" dirty="0" smtClean="0"/>
           </a:p>
         </p:txBody>
       </p:sp>
@@ -2122,6 +2121,7 @@
               <a:rPr lang="zh-CN" altLang="en-US" dirty="0" smtClean="0"/>
               <a:t>单击此处编辑母版文本样式</a:t>
             </a:r>
+            <a:endParaRPr lang="zh-CN" altLang="en-US" dirty="0" smtClean="0"/>
           </a:p>
         </p:txBody>
       </p:sp>
@@ -2203,6 +2203,7 @@
               <a:rPr lang="zh-CN" altLang="en-US" dirty="0" smtClean="0"/>
               <a:t>单击此处编辑母版文本样式</a:t>
             </a:r>
+            <a:endParaRPr lang="zh-CN" altLang="en-US" dirty="0" smtClean="0"/>
           </a:p>
           <a:p>
             <a:pPr lvl="1"/>
@@ -2210,6 +2211,7 @@
               <a:rPr lang="zh-CN" altLang="en-US" dirty="0" smtClean="0"/>
               <a:t>第二级</a:t>
             </a:r>
+            <a:endParaRPr lang="zh-CN" altLang="en-US" dirty="0" smtClean="0"/>
           </a:p>
           <a:p>
             <a:pPr lvl="2"/>
@@ -2217,6 +2219,7 @@
               <a:rPr lang="zh-CN" altLang="en-US" dirty="0" smtClean="0"/>
               <a:t>第三级</a:t>
             </a:r>
+            <a:endParaRPr lang="zh-CN" altLang="en-US" dirty="0" smtClean="0"/>
           </a:p>
           <a:p>
             <a:pPr lvl="3"/>
@@ -2224,6 +2227,7 @@
               <a:rPr lang="zh-CN" altLang="en-US" dirty="0" smtClean="0"/>
               <a:t>第四级</a:t>
             </a:r>
+            <a:endParaRPr lang="zh-CN" altLang="en-US" dirty="0" smtClean="0"/>
           </a:p>
         </p:txBody>
       </p:sp>
@@ -2281,6 +2285,7 @@
               <a:rPr lang="zh-CN" altLang="en-US" dirty="0" smtClean="0"/>
               <a:t>单击此处编辑母版文本样式</a:t>
             </a:r>
+            <a:endParaRPr lang="zh-CN" altLang="en-US" dirty="0" smtClean="0"/>
           </a:p>
         </p:txBody>
       </p:sp>
@@ -2298,7 +2303,7 @@
     <p:bg bwMode="auto">
       <p:bgPr>
         <a:blipFill dpi="0" rotWithShape="0">
-          <a:blip r:embed="rId9"/>
+          <a:blip r:embed="rId8"/>
           <a:srcRect/>
           <a:stretch>
             <a:fillRect/>
@@ -2357,7 +2362,6 @@
           <a:p>
             <a:fld id="{43A45880-9E2A-43E4-955C-AEB11E14255E}" type="slidenum">
               <a:rPr lang="en-US" altLang="zh-CN"/>
-              <a:t>‹#›</a:t>
             </a:fld>
             <a:endParaRPr lang="zh-CN" altLang="zh-CN"/>
           </a:p>
@@ -2372,7 +2376,7 @@
           <p:nvPr/>
         </p:nvPicPr>
         <p:blipFill>
-          <a:blip r:embed="rId10">
+          <a:blip r:embed="rId9">
             <a:extLst>
               <a:ext uri="{28A0092B-C50C-407E-A947-70E740481C1C}">
                 <a14:useLocalDpi xmlns:a14="http://schemas.microsoft.com/office/drawing/2010/main" val="0"/>
@@ -2426,7 +2430,7 @@
           <p:nvPr/>
         </p:nvPicPr>
         <p:blipFill>
-          <a:blip r:embed="rId11">
+          <a:blip r:embed="rId10">
             <a:extLst>
               <a:ext uri="{28A0092B-C50C-407E-A947-70E740481C1C}">
                 <a14:useLocalDpi xmlns:a14="http://schemas.microsoft.com/office/drawing/2010/main" val="0"/>
@@ -2478,10 +2482,10 @@
     <p:sldLayoutId id="2147483649" r:id="rId1"/>
     <p:sldLayoutId id="2147483650" r:id="rId2"/>
     <p:sldLayoutId id="2147483651" r:id="rId3"/>
-    <p:sldLayoutId id="2147483653" r:id="rId4"/>
-    <p:sldLayoutId id="2147483654" r:id="rId5"/>
-    <p:sldLayoutId id="2147483655" r:id="rId6"/>
-    <p:sldLayoutId id="2147483656" r:id="rId7"/>
+    <p:sldLayoutId id="2147483652" r:id="rId4"/>
+    <p:sldLayoutId id="2147483653" r:id="rId5"/>
+    <p:sldLayoutId id="2147483654" r:id="rId6"/>
+    <p:sldLayoutId id="2147483655" r:id="rId7"/>
   </p:sldLayoutIdLst>
   <p:timing>
     <p:tnLst>
@@ -2937,7 +2941,7 @@
           <p:nvPr/>
         </p:nvPicPr>
         <p:blipFill>
-          <a:blip r:embed="rId2">
+          <a:blip r:embed="rId1">
             <a:extLst>
               <a:ext uri="{28A0092B-C50C-407E-A947-70E740481C1C}">
                 <a14:useLocalDpi xmlns:a14="http://schemas.microsoft.com/office/drawing/2010/main" val="0"/>
@@ -3231,7 +3235,7 @@
           <p:nvPr/>
         </p:nvPicPr>
         <p:blipFill>
-          <a:blip r:embed="rId3">
+          <a:blip r:embed="rId2">
             <a:extLst>
               <a:ext uri="{28A0092B-C50C-407E-A947-70E740481C1C}">
                 <a14:useLocalDpi xmlns:a14="http://schemas.microsoft.com/office/drawing/2010/main" val="0"/>
@@ -3474,15 +3478,6 @@
               </a:rPr>
               <a:t>true</a:t>
             </a:r>
-            <a:r>
-              <a:rPr kumimoji="0" lang="zh-CN" altLang="en-US" sz="2000" dirty="0" smtClean="0">
-                <a:solidFill>
-                  <a:schemeClr val="tx1"/>
-                </a:solidFill>
-                <a:sym typeface="+mn-ea"/>
-              </a:rPr>
-              <a:t/>
-            </a:r>
             <a:br>
               <a:rPr kumimoji="0" lang="zh-CN" altLang="en-US" sz="2000" dirty="0" smtClean="0">
                 <a:solidFill>
@@ -3560,6 +3555,7 @@
               <a:rPr kumimoji="0" lang="zh-CN" altLang="en-US" dirty="0"/>
               <a:t>在实际中的应用</a:t>
             </a:r>
+            <a:endParaRPr kumimoji="0" lang="zh-CN" altLang="en-US" dirty="0"/>
           </a:p>
         </p:txBody>
       </p:sp>
@@ -3572,7 +3568,7 @@
           <p:nvPr/>
         </p:nvPicPr>
         <p:blipFill>
-          <a:blip r:embed="rId3"/>
+          <a:blip r:embed="rId1"/>
           <a:stretch>
             <a:fillRect/>
           </a:stretch>
@@ -3643,6 +3639,14 @@
               </a:rPr>
               <a:t>后半部分</a:t>
             </a:r>
+            <a:endParaRPr lang="zh-CN" altLang="en-US" sz="2000">
+              <a:solidFill>
+                <a:srgbClr val="FF0000"/>
+              </a:solidFill>
+              <a:latin typeface="+mn-ea"/>
+              <a:ea typeface="+mn-ea"/>
+              <a:sym typeface="+mn-ea"/>
+            </a:endParaRPr>
           </a:p>
         </p:txBody>
       </p:sp>
@@ -4165,6 +4169,11 @@
               </a:rPr>
               <a:t>的基本理解及应用</a:t>
             </a:r>
+            <a:endParaRPr lang="zh-CN" altLang="en-US" sz="2800" b="1">
+              <a:solidFill>
+                <a:schemeClr val="tx1"/>
+              </a:solidFill>
+            </a:endParaRPr>
           </a:p>
           <a:p>
             <a:pPr algn="l">
@@ -4215,6 +4224,11 @@
               </a:rPr>
               <a:t>的深层次理解（非布尔类型）</a:t>
             </a:r>
+            <a:endParaRPr lang="zh-CN" altLang="en-US" sz="2800" b="1">
+              <a:solidFill>
+                <a:schemeClr val="tx1"/>
+              </a:solidFill>
+            </a:endParaRPr>
           </a:p>
           <a:p>
             <a:pPr algn="l">
@@ -4265,6 +4279,11 @@
               </a:rPr>
               <a:t>在实际中的应用</a:t>
             </a:r>
+            <a:endParaRPr lang="zh-CN" altLang="en-US" sz="2800" b="1">
+              <a:solidFill>
+                <a:schemeClr val="tx1"/>
+              </a:solidFill>
+            </a:endParaRPr>
           </a:p>
         </p:txBody>
       </p:sp>
@@ -4570,7 +4589,7 @@
                 </a:solidFill>
                 <a:sym typeface="+mn-ea"/>
               </a:rPr>
-              <a:t>！运算符</a:t>
+              <a:t>！运算符与逻辑运算符</a:t>
             </a:r>
             <a:br>
               <a:rPr lang="zh-CN" sz="3200">
@@ -4793,15 +4812,6 @@
                 <a:sym typeface="+mn-ea"/>
               </a:rPr>
               <a:t>实现布尔类型转换</a:t>
-            </a:r>
-            <a:r>
-              <a:rPr lang="en-US" altLang="zh-CN" sz="2400">
-                <a:solidFill>
-                  <a:schemeClr val="tx1"/>
-                </a:solidFill>
-                <a:sym typeface="+mn-ea"/>
-              </a:rPr>
-              <a:t/>
             </a:r>
             <a:br>
               <a:rPr lang="en-US" altLang="zh-CN" sz="2400">
@@ -4946,15 +4956,6 @@
               </a:rPr>
               <a:t>0</a:t>
             </a:r>
-            <a:r>
-              <a:rPr lang="en-US" altLang="zh-CN" sz="3200">
-                <a:solidFill>
-                  <a:schemeClr val="tx1"/>
-                </a:solidFill>
-                <a:sym typeface="+mn-ea"/>
-              </a:rPr>
-              <a:t/>
-            </a:r>
             <a:br>
               <a:rPr lang="en-US" altLang="zh-CN" sz="3200">
                 <a:solidFill>
@@ -4963,15 +4964,6 @@
                 <a:sym typeface="+mn-ea"/>
               </a:rPr>
             </a:br>
-            <a:r>
-              <a:rPr kumimoji="0" lang="zh-CN" altLang="en-US" sz="2000" dirty="0" smtClean="0">
-                <a:solidFill>
-                  <a:schemeClr val="tx1"/>
-                </a:solidFill>
-                <a:sym typeface="+mn-ea"/>
-              </a:rPr>
-              <a:t/>
-            </a:r>
             <a:br>
               <a:rPr kumimoji="0" lang="zh-CN" altLang="en-US" sz="2000" dirty="0" smtClean="0">
                 <a:solidFill>
@@ -5037,6 +5029,7 @@
               <a:rPr kumimoji="0" lang="zh-CN" dirty="0"/>
               <a:t>补充</a:t>
             </a:r>
+            <a:endParaRPr kumimoji="0" lang="zh-CN" dirty="0"/>
           </a:p>
         </p:txBody>
       </p:sp>
@@ -5058,12 +5051,12 @@
           <a:graphicData uri="http://schemas.openxmlformats.org/presentationml/2006/ole">
             <mc:AlternateContent xmlns:mc="http://schemas.openxmlformats.org/markup-compatibility/2006">
               <mc:Choice xmlns:v="urn:schemas-microsoft-com:vml" Requires="v">
-                <p:oleObj spid="_x0000_s1033" r:id="rId4" imgW="2222500" imgH="609600" progId="Equation.KSEE3">
+                <p:oleObj spid="_x0000_s1033" name="" r:id="rId1" imgW="2222500" imgH="609600" progId="Equation.KSEE3">
                   <p:embed/>
                 </p:oleObj>
               </mc:Choice>
               <mc:Fallback>
-                <p:oleObj r:id="rId4" imgW="2222500" imgH="609600" progId="Equation.KSEE3">
+                <p:oleObj name="" r:id="rId1" imgW="2222500" imgH="609600" progId="Equation.KSEE3">
                   <p:embed/>
                   <p:pic>
                     <p:nvPicPr>
@@ -5072,7 +5065,7 @@
                       <p:nvPr/>
                     </p:nvPicPr>
                     <p:blipFill>
-                      <a:blip r:embed="rId5"/>
+                      <a:blip r:embed="rId2"/>
                       <a:stretch>
                         <a:fillRect/>
                       </a:stretch>
@@ -5111,12 +5104,12 @@
           <a:graphicData uri="http://schemas.openxmlformats.org/presentationml/2006/ole">
             <mc:AlternateContent xmlns:mc="http://schemas.openxmlformats.org/markup-compatibility/2006">
               <mc:Choice xmlns:v="urn:schemas-microsoft-com:vml" Requires="v">
-                <p:oleObj spid="_x0000_s1034" r:id="rId6" imgW="2222500" imgH="609600" progId="Equation.KSEE3">
+                <p:oleObj spid="_x0000_s1034" name="" r:id="rId3" imgW="2222500" imgH="609600" progId="Equation.KSEE3">
                   <p:embed/>
                 </p:oleObj>
               </mc:Choice>
               <mc:Fallback>
-                <p:oleObj r:id="rId6" imgW="2222500" imgH="609600" progId="Equation.KSEE3">
+                <p:oleObj name="" r:id="rId3" imgW="2222500" imgH="609600" progId="Equation.KSEE3">
                   <p:embed/>
                   <p:pic>
                     <p:nvPicPr>
@@ -5125,7 +5118,7 @@
                       <p:nvPr/>
                     </p:nvPicPr>
                     <p:blipFill>
-                      <a:blip r:embed="rId7"/>
+                      <a:blip r:embed="rId4"/>
                       <a:stretch>
                         <a:fillRect/>
                       </a:stretch>
@@ -5187,7 +5180,7 @@
           <p:nvPr/>
         </p:nvPicPr>
         <p:blipFill>
-          <a:blip r:embed="rId2">
+          <a:blip r:embed="rId1">
             <a:extLst>
               <a:ext uri="{28A0092B-C50C-407E-A947-70E740481C1C}">
                 <a14:useLocalDpi xmlns:a14="http://schemas.microsoft.com/office/drawing/2010/main" val="0"/>
@@ -5305,7 +5298,7 @@
           <p:nvPr/>
         </p:nvPicPr>
         <p:blipFill>
-          <a:blip r:embed="rId3">
+          <a:blip r:embed="rId2">
             <a:extLst>
               <a:ext uri="{28A0092B-C50C-407E-A947-70E740481C1C}">
                 <a14:useLocalDpi xmlns:a14="http://schemas.microsoft.com/office/drawing/2010/main" val="0"/>
@@ -5436,6 +5429,12 @@
               </a:rPr>
               <a:t>复习本章课件及练习</a:t>
             </a:r>
+            <a:endParaRPr lang="zh-CN" altLang="en-US" sz="3200">
+              <a:solidFill>
+                <a:schemeClr val="tx1"/>
+              </a:solidFill>
+              <a:sym typeface="+mn-ea"/>
+            </a:endParaRPr>
           </a:p>
           <a:p>
             <a:pPr>
@@ -5450,8 +5449,67 @@
                 </a:solidFill>
                 <a:sym typeface="+mn-ea"/>
               </a:rPr>
-              <a:t>查看参考教程相关章节</a:t>
-            </a:r>
+              <a:t>慕课网（选看，第</a:t>
+            </a:r>
+            <a:r>
+              <a:rPr lang="en-US" altLang="zh-CN" sz="3200">
+                <a:solidFill>
+                  <a:schemeClr val="tx1"/>
+                </a:solidFill>
+                <a:sym typeface="+mn-ea"/>
+              </a:rPr>
+              <a:t>1-4</a:t>
+            </a:r>
+            <a:r>
+              <a:rPr lang="zh-CN" altLang="en-US" sz="3200">
+                <a:solidFill>
+                  <a:schemeClr val="tx1"/>
+                </a:solidFill>
+                <a:sym typeface="+mn-ea"/>
+              </a:rPr>
+              <a:t>章，</a:t>
+            </a:r>
+            <a:r>
+              <a:rPr lang="en-US" altLang="zh-CN" sz="3200">
+                <a:solidFill>
+                  <a:schemeClr val="tx1"/>
+                </a:solidFill>
+                <a:sym typeface="+mn-ea"/>
+              </a:rPr>
+              <a:t>JS</a:t>
+            </a:r>
+            <a:r>
+              <a:rPr lang="zh-CN" altLang="en-US" sz="3200">
+                <a:solidFill>
+                  <a:schemeClr val="tx1"/>
+                </a:solidFill>
+                <a:sym typeface="+mn-ea"/>
+              </a:rPr>
+              <a:t>基础好的不要求）</a:t>
+            </a:r>
+            <a:br>
+              <a:rPr lang="zh-CN" altLang="en-US" sz="3200">
+                <a:solidFill>
+                  <a:schemeClr val="tx1"/>
+                </a:solidFill>
+                <a:sym typeface="+mn-ea"/>
+              </a:rPr>
+            </a:br>
+            <a:r>
+              <a:rPr lang="zh-CN" altLang="en-US" sz="3200">
+                <a:solidFill>
+                  <a:schemeClr val="tx1"/>
+                </a:solidFill>
+                <a:sym typeface="+mn-ea"/>
+              </a:rPr>
+              <a:t>https://www.imooc.com/learn/10</a:t>
+            </a:r>
+            <a:endParaRPr lang="zh-CN" altLang="en-US" sz="3200">
+              <a:solidFill>
+                <a:schemeClr val="tx1"/>
+              </a:solidFill>
+              <a:sym typeface="+mn-ea"/>
+            </a:endParaRPr>
           </a:p>
           <a:p>
             <a:pPr>
@@ -5466,7 +5524,34 @@
                 </a:solidFill>
                 <a:sym typeface="+mn-ea"/>
               </a:rPr>
-              <a:t>预习</a:t>
+              <a:t>慕课网（</a:t>
+            </a:r>
+            <a:r>
+              <a:rPr lang="zh-CN" altLang="en-US" sz="3200">
+                <a:solidFill>
+                  <a:srgbClr val="FF0000"/>
+                </a:solidFill>
+                <a:sym typeface="+mn-ea"/>
+              </a:rPr>
+              <a:t>必</a:t>
+            </a:r>
+            <a:r>
+              <a:rPr lang="zh-CN" altLang="en-US" sz="3200">
+                <a:solidFill>
+                  <a:srgbClr val="FF0000"/>
+                </a:solidFill>
+                <a:sym typeface="+mn-ea"/>
+              </a:rPr>
+              <a:t>看</a:t>
+            </a:r>
+            <a:r>
+              <a:rPr lang="zh-CN" altLang="en-US" sz="3200">
+                <a:solidFill>
+                  <a:schemeClr val="tx1"/>
+                </a:solidFill>
+                <a:sym typeface="+mn-ea"/>
+              </a:rPr>
+              <a:t>，第</a:t>
             </a:r>
             <a:r>
               <a:rPr lang="en-US" altLang="zh-CN" sz="3200">
@@ -5475,7 +5560,7 @@
                 </a:solidFill>
                 <a:sym typeface="+mn-ea"/>
               </a:rPr>
-              <a:t>JS</a:t>
+              <a:t>1-3</a:t>
             </a:r>
             <a:r>
               <a:rPr lang="zh-CN" altLang="en-US" sz="3200">
@@ -5484,16 +5569,33 @@
                 </a:solidFill>
                 <a:sym typeface="+mn-ea"/>
               </a:rPr>
-              <a:t>函数</a:t>
-            </a:r>
-            <a:r>
-              <a:rPr lang="en-US" altLang="zh-CN" sz="3200">
-                <a:solidFill>
-                  <a:schemeClr val="tx1"/>
-                </a:solidFill>
-                <a:sym typeface="+mn-ea"/>
-              </a:rPr>
-              <a:t/>
+              <a:t>章</a:t>
+            </a:r>
+            <a:r>
+              <a:rPr lang="zh-CN" altLang="en-US" sz="3200">
+                <a:solidFill>
+                  <a:schemeClr val="tx1"/>
+                </a:solidFill>
+                <a:sym typeface="+mn-ea"/>
+              </a:rPr>
+              <a:t>）</a:t>
+            </a:r>
+            <a:br>
+              <a:rPr lang="zh-CN" altLang="en-US" sz="3200">
+                <a:solidFill>
+                  <a:schemeClr val="tx1"/>
+                </a:solidFill>
+                <a:sym typeface="+mn-ea"/>
+              </a:rPr>
+            </a:br>
+            <a:r>
+              <a:rPr lang="zh-CN" altLang="en-US" sz="3200">
+                <a:solidFill>
+                  <a:schemeClr val="tx1"/>
+                </a:solidFill>
+                <a:sym typeface="+mn-ea"/>
+              </a:rPr>
+              <a:t>https://www.imooc.com/learn/277</a:t>
             </a:r>
             <a:br>
               <a:rPr lang="en-US" altLang="zh-CN" sz="3200">
@@ -5503,15 +5605,6 @@
                 <a:sym typeface="+mn-ea"/>
               </a:rPr>
             </a:br>
-            <a:r>
-              <a:rPr kumimoji="0" lang="zh-CN" altLang="en-US" sz="2000" dirty="0" smtClean="0">
-                <a:solidFill>
-                  <a:schemeClr val="tx1"/>
-                </a:solidFill>
-                <a:sym typeface="+mn-ea"/>
-              </a:rPr>
-              <a:t/>
-            </a:r>
             <a:br>
               <a:rPr kumimoji="0" lang="zh-CN" altLang="en-US" sz="2000" dirty="0" smtClean="0">
                 <a:solidFill>
@@ -5577,6 +5670,7 @@
               <a:rPr kumimoji="0" lang="zh-CN" dirty="0"/>
               <a:t>作业</a:t>
             </a:r>
+            <a:endParaRPr kumimoji="0" lang="zh-CN" dirty="0"/>
           </a:p>
         </p:txBody>
       </p:sp>
@@ -5806,6 +5900,11 @@
               </a:rPr>
               <a:t>的基本理解及应用</a:t>
             </a:r>
+            <a:endParaRPr lang="zh-CN" altLang="en-US" sz="2800" b="1">
+              <a:solidFill>
+                <a:srgbClr val="FF0000"/>
+              </a:solidFill>
+            </a:endParaRPr>
           </a:p>
           <a:p>
             <a:pPr algn="l">
@@ -5840,6 +5939,7 @@
               <a:rPr lang="zh-CN" altLang="en-US" sz="2800" b="1"/>
               <a:t>的深层次理解（非布尔类型）</a:t>
             </a:r>
+            <a:endParaRPr lang="zh-CN" altLang="en-US" sz="2800" b="1"/>
           </a:p>
           <a:p>
             <a:pPr algn="l">
@@ -5874,6 +5974,7 @@
               <a:rPr lang="zh-CN" altLang="en-US" sz="2800" b="1"/>
               <a:t>在实际中的应用</a:t>
             </a:r>
+            <a:endParaRPr lang="zh-CN" altLang="en-US" sz="2800" b="1"/>
           </a:p>
         </p:txBody>
       </p:sp>
@@ -6373,6 +6474,7 @@
               <a:rPr lang="zh-CN" altLang="en-US" dirty="0"/>
               <a:t>基本理解和应用</a:t>
             </a:r>
+            <a:endParaRPr lang="zh-CN" altLang="en-US" dirty="0"/>
           </a:p>
         </p:txBody>
       </p:sp>
@@ -6385,7 +6487,7 @@
           <p:nvPr/>
         </p:nvPicPr>
         <p:blipFill>
-          <a:blip r:embed="rId3"/>
+          <a:blip r:embed="rId1"/>
           <a:srcRect l="7331"/>
           <a:stretch>
             <a:fillRect/>
@@ -6410,7 +6512,7 @@
           <p:nvPr/>
         </p:nvPicPr>
         <p:blipFill>
-          <a:blip r:embed="rId4"/>
+          <a:blip r:embed="rId2"/>
           <a:srcRect l="7475"/>
           <a:stretch>
             <a:fillRect/>
@@ -6469,6 +6571,13 @@
               </a:rPr>
               <a:t>demo14</a:t>
             </a:r>
+            <a:endParaRPr lang="en-US" altLang="zh-CN" sz="2200">
+              <a:solidFill>
+                <a:srgbClr val="FF0000"/>
+              </a:solidFill>
+              <a:latin typeface="+mn-ea"/>
+              <a:ea typeface="+mn-ea"/>
+            </a:endParaRPr>
           </a:p>
         </p:txBody>
       </p:sp>
@@ -7073,6 +7182,11 @@
               </a:rPr>
               <a:t>的基本理解及应用</a:t>
             </a:r>
+            <a:endParaRPr lang="zh-CN" altLang="en-US" sz="2800" b="1">
+              <a:solidFill>
+                <a:schemeClr val="tx1"/>
+              </a:solidFill>
+            </a:endParaRPr>
           </a:p>
           <a:p>
             <a:pPr algn="l">
@@ -7123,6 +7237,11 @@
               </a:rPr>
               <a:t>的深层次理解（非布尔类型）</a:t>
             </a:r>
+            <a:endParaRPr lang="zh-CN" altLang="en-US" sz="2800" b="1">
+              <a:solidFill>
+                <a:schemeClr val="accent3"/>
+              </a:solidFill>
+            </a:endParaRPr>
           </a:p>
           <a:p>
             <a:pPr algn="l">
@@ -7157,6 +7276,7 @@
               <a:rPr lang="zh-CN" altLang="en-US" sz="2800" b="1"/>
               <a:t>在实际中的应用</a:t>
             </a:r>
+            <a:endParaRPr lang="zh-CN" altLang="en-US" sz="2800" b="1"/>
           </a:p>
         </p:txBody>
       </p:sp>
@@ -7652,6 +7772,11 @@
               </a:rPr>
               <a:t>原始右操作数</a:t>
             </a:r>
+            <a:endParaRPr kumimoji="0" lang="zh-CN" altLang="en-US" sz="2000" dirty="0" smtClean="0">
+              <a:solidFill>
+                <a:srgbClr val="FF0000"/>
+              </a:solidFill>
+            </a:endParaRPr>
           </a:p>
           <a:p>
             <a:pPr>
@@ -7795,15 +7920,6 @@
               </a:rPr>
               <a:t>原始左操作数</a:t>
             </a:r>
-            <a:r>
-              <a:rPr kumimoji="0" lang="zh-CN" altLang="en-US" sz="2000" dirty="0" smtClean="0">
-                <a:solidFill>
-                  <a:schemeClr val="tx1"/>
-                </a:solidFill>
-                <a:sym typeface="+mn-ea"/>
-              </a:rPr>
-              <a:t/>
-            </a:r>
             <a:br>
               <a:rPr kumimoji="0" lang="zh-CN" altLang="en-US" sz="2000" dirty="0" smtClean="0">
                 <a:solidFill>
@@ -7928,15 +8044,6 @@
               </a:rPr>
               <a:t>原始右操作数</a:t>
             </a:r>
-            <a:r>
-              <a:rPr kumimoji="0" lang="zh-CN" altLang="en-US" sz="2000" dirty="0" smtClean="0">
-                <a:solidFill>
-                  <a:schemeClr val="tx1"/>
-                </a:solidFill>
-                <a:sym typeface="+mn-ea"/>
-              </a:rPr>
-              <a:t/>
-            </a:r>
             <a:br>
               <a:rPr kumimoji="0" lang="zh-CN" altLang="en-US" sz="2000" dirty="0" smtClean="0">
                 <a:solidFill>
@@ -8025,15 +8132,6 @@
                 <a:sym typeface="+mn-ea"/>
               </a:rPr>
               <a:t>if-else</a:t>
-            </a:r>
-            <a:r>
-              <a:rPr kumimoji="0" lang="zh-CN" altLang="en-US" sz="2000" dirty="0" smtClean="0">
-                <a:solidFill>
-                  <a:schemeClr val="tx1"/>
-                </a:solidFill>
-                <a:sym typeface="+mn-ea"/>
-              </a:rPr>
-              <a:t/>
             </a:r>
             <a:br>
               <a:rPr kumimoji="0" lang="zh-CN" altLang="en-US" sz="2000" dirty="0" smtClean="0">
@@ -8112,6 +8210,7 @@
               <a:rPr kumimoji="0" lang="zh-CN" altLang="en-US" dirty="0"/>
               <a:t>深层次理解</a:t>
             </a:r>
+            <a:endParaRPr kumimoji="0" lang="zh-CN" altLang="en-US" dirty="0"/>
           </a:p>
         </p:txBody>
       </p:sp>
@@ -8462,15 +8561,6 @@
               </a:rPr>
               <a:t>两侧的操作数不是布尔类型时</a:t>
             </a:r>
-            <a:r>
-              <a:rPr kumimoji="0" lang="zh-CN" altLang="en-US" sz="2000" dirty="0" smtClean="0">
-                <a:solidFill>
-                  <a:schemeClr val="tx1"/>
-                </a:solidFill>
-                <a:sym typeface="+mn-ea"/>
-              </a:rPr>
-              <a:t/>
-            </a:r>
             <a:br>
               <a:rPr kumimoji="0" lang="zh-CN" altLang="en-US" sz="2000" dirty="0" smtClean="0">
                 <a:solidFill>
@@ -8548,6 +8638,7 @@
               <a:rPr kumimoji="0" lang="zh-CN" altLang="en-US" dirty="0"/>
               <a:t>深层次理解</a:t>
             </a:r>
+            <a:endParaRPr kumimoji="0" lang="zh-CN" altLang="en-US" dirty="0"/>
           </a:p>
         </p:txBody>
       </p:sp>
@@ -8560,7 +8651,7 @@
           <p:nvPr/>
         </p:nvPicPr>
         <p:blipFill>
-          <a:blip r:embed="rId3"/>
+          <a:blip r:embed="rId1"/>
           <a:srcRect l="4650"/>
           <a:stretch>
             <a:fillRect/>
@@ -8585,7 +8676,7 @@
           <p:nvPr/>
         </p:nvPicPr>
         <p:blipFill>
-          <a:blip r:embed="rId4"/>
+          <a:blip r:embed="rId2"/>
           <a:srcRect l="5480"/>
           <a:stretch>
             <a:fillRect/>
@@ -8657,6 +8748,14 @@
               </a:rPr>
               <a:t>布尔对象实例</a:t>
             </a:r>
+            <a:endParaRPr lang="zh-CN" altLang="en-US" sz="2000">
+              <a:solidFill>
+                <a:srgbClr val="FF0000"/>
+              </a:solidFill>
+              <a:latin typeface="+mn-ea"/>
+              <a:ea typeface="+mn-ea"/>
+              <a:sym typeface="+mn-ea"/>
+            </a:endParaRPr>
           </a:p>
         </p:txBody>
       </p:sp>
@@ -9261,6 +9360,11 @@
               </a:rPr>
               <a:t>的基本理解及应用</a:t>
             </a:r>
+            <a:endParaRPr lang="zh-CN" altLang="en-US" sz="2800" b="1">
+              <a:solidFill>
+                <a:schemeClr val="tx1"/>
+              </a:solidFill>
+            </a:endParaRPr>
           </a:p>
           <a:p>
             <a:pPr algn="l">
@@ -9311,6 +9415,11 @@
               </a:rPr>
               <a:t>的深层次理解（非布尔类型）</a:t>
             </a:r>
+            <a:endParaRPr lang="zh-CN" altLang="en-US" sz="2800" b="1">
+              <a:solidFill>
+                <a:schemeClr val="tx1"/>
+              </a:solidFill>
+            </a:endParaRPr>
           </a:p>
           <a:p>
             <a:pPr algn="l">
@@ -9361,6 +9470,11 @@
               </a:rPr>
               <a:t>在实际中的应用</a:t>
             </a:r>
+            <a:endParaRPr lang="zh-CN" altLang="en-US" sz="2800" b="1">
+              <a:solidFill>
+                <a:srgbClr val="FF0000"/>
+              </a:solidFill>
+            </a:endParaRPr>
           </a:p>
         </p:txBody>
       </p:sp>
@@ -9699,15 +9813,6 @@
               </a:rPr>
               <a:t>可用来实现条件语句</a:t>
             </a:r>
-            <a:r>
-              <a:rPr kumimoji="0" lang="zh-CN" altLang="en-US" sz="2000" dirty="0" smtClean="0">
-                <a:solidFill>
-                  <a:schemeClr val="tx1"/>
-                </a:solidFill>
-                <a:sym typeface="+mn-ea"/>
-              </a:rPr>
-              <a:t/>
-            </a:r>
             <a:br>
               <a:rPr kumimoji="0" lang="zh-CN" altLang="en-US" sz="2000" dirty="0" smtClean="0">
                 <a:solidFill>
@@ -9785,6 +9890,7 @@
               <a:rPr kumimoji="0" lang="zh-CN" altLang="en-US" dirty="0"/>
               <a:t>在实际中的应用</a:t>
             </a:r>
+            <a:endParaRPr kumimoji="0" lang="zh-CN" altLang="en-US" dirty="0"/>
           </a:p>
         </p:txBody>
       </p:sp>
@@ -9797,7 +9903,7 @@
           <p:nvPr/>
         </p:nvPicPr>
         <p:blipFill>
-          <a:blip r:embed="rId3"/>
+          <a:blip r:embed="rId1"/>
           <a:stretch>
             <a:fillRect/>
           </a:stretch>
@@ -10376,14 +10482,6 @@
               </a:rPr>
               <a:t>取它定义时的默认值</a:t>
             </a:r>
-            <a:r>
-              <a:rPr kumimoji="0" lang="zh-CN" altLang="en-US" sz="2000" dirty="0" smtClean="0">
-                <a:solidFill>
-                  <a:schemeClr val="tx1"/>
-                </a:solidFill>
-              </a:rPr>
-              <a:t/>
-            </a:r>
             <a:br>
               <a:rPr kumimoji="0" lang="zh-CN" altLang="en-US" sz="2000" dirty="0" smtClean="0">
                 <a:solidFill>
@@ -10438,15 +10536,6 @@
                 </a:solidFill>
               </a:rPr>
               <a:t>来实现</a:t>
-            </a:r>
-            <a:r>
-              <a:rPr kumimoji="0" lang="zh-CN" altLang="en-US" sz="2000" dirty="0" smtClean="0">
-                <a:solidFill>
-                  <a:schemeClr val="tx1"/>
-                </a:solidFill>
-                <a:sym typeface="+mn-ea"/>
-              </a:rPr>
-              <a:t/>
             </a:r>
             <a:br>
               <a:rPr kumimoji="0" lang="zh-CN" altLang="en-US" sz="2000" dirty="0" smtClean="0">
@@ -10525,6 +10614,7 @@
               <a:rPr kumimoji="0" lang="zh-CN" altLang="en-US" dirty="0"/>
               <a:t>在实际中的应用</a:t>
             </a:r>
+            <a:endParaRPr kumimoji="0" lang="zh-CN" altLang="en-US" dirty="0"/>
           </a:p>
         </p:txBody>
       </p:sp>
@@ -10537,7 +10627,7 @@
           <p:nvPr/>
         </p:nvPicPr>
         <p:blipFill>
-          <a:blip r:embed="rId3"/>
+          <a:blip r:embed="rId1"/>
           <a:srcRect l="7013" b="33916"/>
           <a:stretch>
             <a:fillRect/>
@@ -10653,15 +10743,6 @@
               </a:rPr>
               <a:t>短路原则直接返回右操作数，等效代码如下</a:t>
             </a:r>
-            <a:r>
-              <a:rPr lang="zh-CN" altLang="en-US" sz="2000">
-                <a:solidFill>
-                  <a:srgbClr val="FF0000"/>
-                </a:solidFill>
-                <a:sym typeface="+mn-ea"/>
-              </a:rPr>
-              <a:t/>
-            </a:r>
             <a:br>
               <a:rPr lang="zh-CN" altLang="en-US" sz="2000">
                 <a:solidFill>
@@ -10670,15 +10751,6 @@
                 <a:sym typeface="+mn-ea"/>
               </a:rPr>
             </a:br>
-            <a:r>
-              <a:rPr lang="zh-CN" altLang="en-US" sz="2000">
-                <a:solidFill>
-                  <a:srgbClr val="FF0000"/>
-                </a:solidFill>
-                <a:sym typeface="+mn-ea"/>
-              </a:rPr>
-              <a:t/>
-            </a:r>
             <a:br>
               <a:rPr lang="zh-CN" altLang="en-US" sz="2000">
                 <a:solidFill>
@@ -10705,7 +10777,7 @@
           <p:nvPr/>
         </p:nvPicPr>
         <p:blipFill>
-          <a:blip r:embed="rId4"/>
+          <a:blip r:embed="rId2"/>
           <a:srcRect b="46873"/>
           <a:stretch>
             <a:fillRect/>
@@ -10791,6 +10863,11 @@
               </a:rPr>
               <a:t>10</a:t>
             </a:r>
+            <a:endParaRPr lang="en-US" altLang="zh-CN" sz="2400">
+              <a:solidFill>
+                <a:schemeClr val="accent3"/>
+              </a:solidFill>
+            </a:endParaRPr>
           </a:p>
         </p:txBody>
       </p:sp>
@@ -10850,6 +10927,14 @@
               </a:rPr>
               <a:t>前半部分</a:t>
             </a:r>
+            <a:endParaRPr lang="zh-CN" altLang="en-US" sz="2000">
+              <a:solidFill>
+                <a:srgbClr val="FF0000"/>
+              </a:solidFill>
+              <a:latin typeface="+mn-ea"/>
+              <a:ea typeface="+mn-ea"/>
+              <a:sym typeface="+mn-ea"/>
+            </a:endParaRPr>
           </a:p>
         </p:txBody>
       </p:sp>
@@ -11752,10 +11837,9 @@
       </a:lstStyle>
     </a:lnDef>
   </a:objectDefaults>
-  <a:extraClrSchemeLst/>
   <a:extLst>
     <a:ext uri="{05A4C25C-085E-4340-85A3-A5531E510DB2}">
-      <thm15:themeFamily xmlns="" xmlns:thm15="http://schemas.microsoft.com/office/thememl/2012/main" name="Office Theme" id="{62F939B6-93AF-4DB8-9C6B-D6C7DFDC589F}" vid="{4A3C46E8-61CC-4603-A589-7422A47A8E4A}"/>
+      <thm15:themeFamily xmlns:thm15="http://schemas.microsoft.com/office/thememl/2012/main" name="Office Theme" id="{62F939B6-93AF-4DB8-9C6B-D6C7DFDC589F}" vid="{4A3C46E8-61CC-4603-A589-7422A47A8E4A}"/>
     </a:ext>
   </a:extLst>
 </a:theme>
@@ -12039,11 +12123,9 @@
       </a:bgFillStyleLst>
     </a:fmtScheme>
   </a:themeElements>
-  <a:objectDefaults/>
-  <a:extraClrSchemeLst/>
   <a:extLst>
     <a:ext uri="{05A4C25C-085E-4340-85A3-A5531E510DB2}">
-      <thm15:themeFamily xmlns="" xmlns:thm15="http://schemas.microsoft.com/office/thememl/2012/main" name="Office Theme" id="{62F939B6-93AF-4DB8-9C6B-D6C7DFDC589F}" vid="{4A3C46E8-61CC-4603-A589-7422A47A8E4A}"/>
+      <thm15:themeFamily xmlns:thm15="http://schemas.microsoft.com/office/thememl/2012/main" name="Office Theme" id="{62F939B6-93AF-4DB8-9C6B-D6C7DFDC589F}" vid="{4A3C46E8-61CC-4603-A589-7422A47A8E4A}"/>
     </a:ext>
   </a:extLst>
 </a:theme>

--- a/课程PPT/06.JS逻辑运算符进阶.pptx
+++ b/课程PPT/06.JS逻辑运算符进阶.pptx
@@ -4859,7 +4859,7 @@
                 </a:solidFill>
                 <a:sym typeface="+mn-ea"/>
               </a:rPr>
-              <a:t>实现默认返回值</a:t>
+              <a:t>实现返回值的限制</a:t>
             </a:r>
             <a:br>
               <a:rPr lang="zh-CN" altLang="en-US" sz="3200">
@@ -5533,16 +5533,25 @@
                 </a:solidFill>
                 <a:sym typeface="+mn-ea"/>
               </a:rPr>
-              <a:t>必</a:t>
+              <a:t>必看</a:t>
             </a:r>
             <a:r>
               <a:rPr lang="zh-CN" altLang="en-US" sz="3200">
                 <a:solidFill>
-                  <a:srgbClr val="FF0000"/>
-                </a:solidFill>
-                <a:sym typeface="+mn-ea"/>
-              </a:rPr>
-              <a:t>看</a:t>
+                  <a:schemeClr val="tx1"/>
+                </a:solidFill>
+                <a:sym typeface="+mn-ea"/>
+              </a:rPr>
+              <a:t>，第</a:t>
+            </a:r>
+            <a:r>
+              <a:rPr lang="en-US" altLang="zh-CN" sz="3200">
+                <a:solidFill>
+                  <a:schemeClr val="tx1"/>
+                </a:solidFill>
+                <a:sym typeface="+mn-ea"/>
+              </a:rPr>
+              <a:t>1-3</a:t>
             </a:r>
             <a:r>
               <a:rPr lang="zh-CN" altLang="en-US" sz="3200">
@@ -5551,34 +5560,7 @@
                 </a:solidFill>
                 <a:sym typeface="+mn-ea"/>
               </a:rPr>
-              <a:t>，第</a:t>
-            </a:r>
-            <a:r>
-              <a:rPr lang="en-US" altLang="zh-CN" sz="3200">
-                <a:solidFill>
-                  <a:schemeClr val="tx1"/>
-                </a:solidFill>
-                <a:sym typeface="+mn-ea"/>
-              </a:rPr>
-              <a:t>1-3</a:t>
-            </a:r>
-            <a:r>
-              <a:rPr lang="zh-CN" altLang="en-US" sz="3200">
-                <a:solidFill>
-                  <a:schemeClr val="tx1"/>
-                </a:solidFill>
-                <a:sym typeface="+mn-ea"/>
-              </a:rPr>
-              <a:t>章</a:t>
-            </a:r>
-            <a:r>
-              <a:rPr lang="zh-CN" altLang="en-US" sz="3200">
-                <a:solidFill>
-                  <a:schemeClr val="tx1"/>
-                </a:solidFill>
-                <a:sym typeface="+mn-ea"/>
-              </a:rPr>
-              <a:t>）</a:t>
+              <a:t>章）</a:t>
             </a:r>
             <a:br>
               <a:rPr lang="zh-CN" altLang="en-US" sz="3200">

--- a/课程PPT/06.JS逻辑运算符进阶.pptx
+++ b/课程PPT/06.JS逻辑运算符进阶.pptx
@@ -5428,6 +5428,28 @@
                 <a:sym typeface="+mn-ea"/>
               </a:rPr>
               <a:t>复习本章课件及练习</a:t>
+            </a:r>
+            <a:endParaRPr lang="zh-CN" altLang="en-US" sz="3200">
+              <a:solidFill>
+                <a:schemeClr val="tx1"/>
+              </a:solidFill>
+              <a:sym typeface="+mn-ea"/>
+            </a:endParaRPr>
+          </a:p>
+          <a:p>
+            <a:pPr>
+              <a:lnSpc>
+                <a:spcPct val="130000"/>
+              </a:lnSpc>
+            </a:pPr>
+            <a:r>
+              <a:rPr lang="zh-CN" altLang="en-US" sz="3200">
+                <a:solidFill>
+                  <a:schemeClr val="tx1"/>
+                </a:solidFill>
+                <a:sym typeface="+mn-ea"/>
+              </a:rPr>
+              <a:t>将自己的本章练习提交到个人仓库中</a:t>
             </a:r>
             <a:endParaRPr lang="zh-CN" altLang="en-US" sz="3200">
               <a:solidFill>
